--- a/Testing/efuse.pptx
+++ b/Testing/efuse.pptx
@@ -8,10 +8,14 @@
     <p:sldId id="256" r:id="rId2"/>
     <p:sldId id="257" r:id="rId3"/>
     <p:sldId id="261" r:id="rId4"/>
-    <p:sldId id="262" r:id="rId5"/>
-    <p:sldId id="258" r:id="rId6"/>
-    <p:sldId id="259" r:id="rId7"/>
-    <p:sldId id="260" r:id="rId8"/>
+    <p:sldId id="263" r:id="rId5"/>
+    <p:sldId id="264" r:id="rId6"/>
+    <p:sldId id="265" r:id="rId7"/>
+    <p:sldId id="266" r:id="rId8"/>
+    <p:sldId id="262" r:id="rId9"/>
+    <p:sldId id="258" r:id="rId10"/>
+    <p:sldId id="259" r:id="rId11"/>
+    <p:sldId id="260" r:id="rId12"/>
   </p:sldIdLst>
   <p:sldSz cx="12192000" cy="6858000"/>
   <p:notesSz cx="6858000" cy="9144000"/>
@@ -265,7 +269,7 @@
           <a:p>
             <a:fld id="{6E1805E9-6898-4C59-8CBF-5922A6794E7D}" type="datetimeFigureOut">
               <a:rPr lang="en-US" smtClean="0"/>
-              <a:t>9/3/2021</a:t>
+              <a:t>9/4/2021</a:t>
             </a:fld>
             <a:endParaRPr lang="en-US"/>
           </a:p>
@@ -463,7 +467,7 @@
           <a:p>
             <a:fld id="{6E1805E9-6898-4C59-8CBF-5922A6794E7D}" type="datetimeFigureOut">
               <a:rPr lang="en-US" smtClean="0"/>
-              <a:t>9/3/2021</a:t>
+              <a:t>9/4/2021</a:t>
             </a:fld>
             <a:endParaRPr lang="en-US"/>
           </a:p>
@@ -671,7 +675,7 @@
           <a:p>
             <a:fld id="{6E1805E9-6898-4C59-8CBF-5922A6794E7D}" type="datetimeFigureOut">
               <a:rPr lang="en-US" smtClean="0"/>
-              <a:t>9/3/2021</a:t>
+              <a:t>9/4/2021</a:t>
             </a:fld>
             <a:endParaRPr lang="en-US"/>
           </a:p>
@@ -869,7 +873,7 @@
           <a:p>
             <a:fld id="{6E1805E9-6898-4C59-8CBF-5922A6794E7D}" type="datetimeFigureOut">
               <a:rPr lang="en-US" smtClean="0"/>
-              <a:t>9/3/2021</a:t>
+              <a:t>9/4/2021</a:t>
             </a:fld>
             <a:endParaRPr lang="en-US"/>
           </a:p>
@@ -1144,7 +1148,7 @@
           <a:p>
             <a:fld id="{6E1805E9-6898-4C59-8CBF-5922A6794E7D}" type="datetimeFigureOut">
               <a:rPr lang="en-US" smtClean="0"/>
-              <a:t>9/3/2021</a:t>
+              <a:t>9/4/2021</a:t>
             </a:fld>
             <a:endParaRPr lang="en-US"/>
           </a:p>
@@ -1409,7 +1413,7 @@
           <a:p>
             <a:fld id="{6E1805E9-6898-4C59-8CBF-5922A6794E7D}" type="datetimeFigureOut">
               <a:rPr lang="en-US" smtClean="0"/>
-              <a:t>9/3/2021</a:t>
+              <a:t>9/4/2021</a:t>
             </a:fld>
             <a:endParaRPr lang="en-US"/>
           </a:p>
@@ -1821,7 +1825,7 @@
           <a:p>
             <a:fld id="{6E1805E9-6898-4C59-8CBF-5922A6794E7D}" type="datetimeFigureOut">
               <a:rPr lang="en-US" smtClean="0"/>
-              <a:t>9/3/2021</a:t>
+              <a:t>9/4/2021</a:t>
             </a:fld>
             <a:endParaRPr lang="en-US"/>
           </a:p>
@@ -1962,7 +1966,7 @@
           <a:p>
             <a:fld id="{6E1805E9-6898-4C59-8CBF-5922A6794E7D}" type="datetimeFigureOut">
               <a:rPr lang="en-US" smtClean="0"/>
-              <a:t>9/3/2021</a:t>
+              <a:t>9/4/2021</a:t>
             </a:fld>
             <a:endParaRPr lang="en-US"/>
           </a:p>
@@ -2075,7 +2079,7 @@
           <a:p>
             <a:fld id="{6E1805E9-6898-4C59-8CBF-5922A6794E7D}" type="datetimeFigureOut">
               <a:rPr lang="en-US" smtClean="0"/>
-              <a:t>9/3/2021</a:t>
+              <a:t>9/4/2021</a:t>
             </a:fld>
             <a:endParaRPr lang="en-US"/>
           </a:p>
@@ -2386,7 +2390,7 @@
           <a:p>
             <a:fld id="{6E1805E9-6898-4C59-8CBF-5922A6794E7D}" type="datetimeFigureOut">
               <a:rPr lang="en-US" smtClean="0"/>
-              <a:t>9/3/2021</a:t>
+              <a:t>9/4/2021</a:t>
             </a:fld>
             <a:endParaRPr lang="en-US"/>
           </a:p>
@@ -2674,7 +2678,7 @@
           <a:p>
             <a:fld id="{6E1805E9-6898-4C59-8CBF-5922A6794E7D}" type="datetimeFigureOut">
               <a:rPr lang="en-US" smtClean="0"/>
-              <a:t>9/3/2021</a:t>
+              <a:t>9/4/2021</a:t>
             </a:fld>
             <a:endParaRPr lang="en-US"/>
           </a:p>
@@ -2915,7 +2919,7 @@
           <a:p>
             <a:fld id="{6E1805E9-6898-4C59-8CBF-5922A6794E7D}" type="datetimeFigureOut">
               <a:rPr lang="en-US" smtClean="0"/>
-              <a:t>9/3/2021</a:t>
+              <a:t>9/4/2021</a:t>
             </a:fld>
             <a:endParaRPr lang="en-US"/>
           </a:p>
@@ -3443,6 +3447,549 @@
 </p:sld>
 </file>
 
+<file path=ppt/slides/slide10.xml><?xml version="1.0" encoding="utf-8"?>
+<p:sld xmlns:a="http://schemas.openxmlformats.org/drawingml/2006/main" xmlns:r="http://schemas.openxmlformats.org/officeDocument/2006/relationships" xmlns:p="http://schemas.openxmlformats.org/presentationml/2006/main">
+  <p:cSld>
+    <p:spTree>
+      <p:nvGrpSpPr>
+        <p:cNvPr id="1" name=""/>
+        <p:cNvGrpSpPr/>
+        <p:nvPr/>
+      </p:nvGrpSpPr>
+      <p:grpSpPr>
+        <a:xfrm>
+          <a:off x="0" y="0"/>
+          <a:ext cx="0" cy="0"/>
+          <a:chOff x="0" y="0"/>
+          <a:chExt cx="0" cy="0"/>
+        </a:xfrm>
+      </p:grpSpPr>
+      <p:sp>
+        <p:nvSpPr>
+          <p:cNvPr id="2" name="Title 1">
+            <a:extLst>
+              <a:ext uri="{FF2B5EF4-FFF2-40B4-BE49-F238E27FC236}">
+                <a16:creationId xmlns:a16="http://schemas.microsoft.com/office/drawing/2014/main" id="{8EB4EF8A-B821-49C7-ABDF-213329AF9923}"/>
+              </a:ext>
+            </a:extLst>
+          </p:cNvPr>
+          <p:cNvSpPr>
+            <a:spLocks noGrp="1"/>
+          </p:cNvSpPr>
+          <p:nvPr>
+            <p:ph type="title"/>
+          </p:nvPr>
+        </p:nvSpPr>
+        <p:spPr/>
+        <p:txBody>
+          <a:bodyPr/>
+          <a:lstStyle/>
+          <a:p>
+            <a:r>
+              <a:rPr lang="en-US" dirty="0"/>
+              <a:t>Types of fuse (effuse vs anti-fuse)</a:t>
+            </a:r>
+          </a:p>
+        </p:txBody>
+      </p:sp>
+      <p:sp>
+        <p:nvSpPr>
+          <p:cNvPr id="4" name="TextBox 3">
+            <a:extLst>
+              <a:ext uri="{FF2B5EF4-FFF2-40B4-BE49-F238E27FC236}">
+                <a16:creationId xmlns:a16="http://schemas.microsoft.com/office/drawing/2014/main" id="{3E131FC3-5560-46E5-9DE1-BFF542B92A1D}"/>
+              </a:ext>
+            </a:extLst>
+          </p:cNvPr>
+          <p:cNvSpPr txBox="1"/>
+          <p:nvPr/>
+        </p:nvSpPr>
+        <p:spPr>
+          <a:xfrm>
+            <a:off x="1265382" y="1810327"/>
+            <a:ext cx="2623127" cy="1325563"/>
+          </a:xfrm>
+          <a:prstGeom prst="rect">
+            <a:avLst/>
+          </a:prstGeom>
+          <a:noFill/>
+        </p:spPr>
+        <p:txBody>
+          <a:bodyPr wrap="square" rtlCol="0">
+            <a:spAutoFit/>
+          </a:bodyPr>
+          <a:lstStyle/>
+          <a:p>
+            <a:endParaRPr lang="en-US" dirty="0"/>
+          </a:p>
+        </p:txBody>
+      </p:sp>
+      <p:sp>
+        <p:nvSpPr>
+          <p:cNvPr id="6" name="Content Placeholder 5">
+            <a:extLst>
+              <a:ext uri="{FF2B5EF4-FFF2-40B4-BE49-F238E27FC236}">
+                <a16:creationId xmlns:a16="http://schemas.microsoft.com/office/drawing/2014/main" id="{AD973092-6A95-4FFD-9AD1-33006B81FB85}"/>
+              </a:ext>
+            </a:extLst>
+          </p:cNvPr>
+          <p:cNvSpPr>
+            <a:spLocks noGrp="1"/>
+          </p:cNvSpPr>
+          <p:nvPr>
+            <p:ph idx="1"/>
+          </p:nvPr>
+        </p:nvSpPr>
+        <p:spPr>
+          <a:xfrm>
+            <a:off x="838200" y="1414751"/>
+            <a:ext cx="10515600" cy="4351338"/>
+          </a:xfrm>
+        </p:spPr>
+        <p:txBody>
+          <a:bodyPr/>
+          <a:lstStyle/>
+          <a:p>
+            <a:r>
+              <a:rPr lang="en-US" dirty="0" err="1"/>
+              <a:t>Efuse</a:t>
+            </a:r>
+            <a:endParaRPr lang="en-US" dirty="0"/>
+          </a:p>
+          <a:p>
+            <a:endParaRPr lang="en-US" dirty="0"/>
+          </a:p>
+          <a:p>
+            <a:pPr lvl="1"/>
+            <a:r>
+              <a:rPr lang="en-US" dirty="0"/>
+              <a:t> Fuse link(metal) can be broken via high voltage/current</a:t>
+            </a:r>
+          </a:p>
+          <a:p>
+            <a:pPr lvl="1"/>
+            <a:r>
+              <a:rPr lang="en-US" dirty="0"/>
+              <a:t>Electromigration (high current flow through thin metal cause the metal to move and break the connection)</a:t>
+            </a:r>
+          </a:p>
+          <a:p>
+            <a:pPr lvl="1"/>
+            <a:endParaRPr lang="en-US" dirty="0"/>
+          </a:p>
+          <a:p>
+            <a:pPr marL="457200" lvl="1" indent="0">
+              <a:buNone/>
+            </a:pPr>
+            <a:endParaRPr lang="en-US" dirty="0"/>
+          </a:p>
+          <a:p>
+            <a:pPr marL="914400" lvl="2" indent="0">
+              <a:buNone/>
+            </a:pPr>
+            <a:r>
+              <a:rPr lang="en-US" dirty="0"/>
+              <a:t> </a:t>
+            </a:r>
+          </a:p>
+          <a:p>
+            <a:pPr lvl="1"/>
+            <a:endParaRPr lang="en-US" dirty="0"/>
+          </a:p>
+        </p:txBody>
+      </p:sp>
+      <p:pic>
+        <p:nvPicPr>
+          <p:cNvPr id="8" name="Picture 7">
+            <a:extLst>
+              <a:ext uri="{FF2B5EF4-FFF2-40B4-BE49-F238E27FC236}">
+                <a16:creationId xmlns:a16="http://schemas.microsoft.com/office/drawing/2014/main" id="{2BA021EA-F0E2-45D6-A927-A7D88710C8DA}"/>
+              </a:ext>
+            </a:extLst>
+          </p:cNvPr>
+          <p:cNvPicPr>
+            <a:picLocks noChangeAspect="1"/>
+          </p:cNvPicPr>
+          <p:nvPr/>
+        </p:nvPicPr>
+        <p:blipFill>
+          <a:blip r:embed="rId2"/>
+          <a:stretch>
+            <a:fillRect/>
+          </a:stretch>
+        </p:blipFill>
+        <p:spPr>
+          <a:xfrm>
+            <a:off x="4349393" y="4486042"/>
+            <a:ext cx="1802959" cy="1656773"/>
+          </a:xfrm>
+          <a:prstGeom prst="rect">
+            <a:avLst/>
+          </a:prstGeom>
+        </p:spPr>
+      </p:pic>
+      <p:pic>
+        <p:nvPicPr>
+          <p:cNvPr id="10" name="Picture 9">
+            <a:extLst>
+              <a:ext uri="{FF2B5EF4-FFF2-40B4-BE49-F238E27FC236}">
+                <a16:creationId xmlns:a16="http://schemas.microsoft.com/office/drawing/2014/main" id="{44CBA82D-B4A2-438B-B364-37BBAE140390}"/>
+              </a:ext>
+            </a:extLst>
+          </p:cNvPr>
+          <p:cNvPicPr>
+            <a:picLocks noChangeAspect="1"/>
+          </p:cNvPicPr>
+          <p:nvPr/>
+        </p:nvPicPr>
+        <p:blipFill>
+          <a:blip r:embed="rId3"/>
+          <a:stretch>
+            <a:fillRect/>
+          </a:stretch>
+        </p:blipFill>
+        <p:spPr>
+          <a:xfrm>
+            <a:off x="7010400" y="4306713"/>
+            <a:ext cx="4151312" cy="1520133"/>
+          </a:xfrm>
+          <a:prstGeom prst="rect">
+            <a:avLst/>
+          </a:prstGeom>
+        </p:spPr>
+      </p:pic>
+      <p:cxnSp>
+        <p:nvCxnSpPr>
+          <p:cNvPr id="12" name="Straight Arrow Connector 11">
+            <a:extLst>
+              <a:ext uri="{FF2B5EF4-FFF2-40B4-BE49-F238E27FC236}">
+                <a16:creationId xmlns:a16="http://schemas.microsoft.com/office/drawing/2014/main" id="{2F9CEDBB-A5F3-41CA-B68E-7D0C92B88045}"/>
+              </a:ext>
+            </a:extLst>
+          </p:cNvPr>
+          <p:cNvCxnSpPr>
+            <a:cxnSpLocks/>
+          </p:cNvCxnSpPr>
+          <p:nvPr/>
+        </p:nvCxnSpPr>
+        <p:spPr>
+          <a:xfrm flipV="1">
+            <a:off x="5569527" y="4978400"/>
+            <a:ext cx="2817091" cy="88379"/>
+          </a:xfrm>
+          <a:prstGeom prst="straightConnector1">
+            <a:avLst/>
+          </a:prstGeom>
+          <a:ln>
+            <a:tailEnd type="triangle"/>
+          </a:ln>
+        </p:spPr>
+        <p:style>
+          <a:lnRef idx="1">
+            <a:schemeClr val="accent1"/>
+          </a:lnRef>
+          <a:fillRef idx="0">
+            <a:schemeClr val="accent1"/>
+          </a:fillRef>
+          <a:effectRef idx="0">
+            <a:schemeClr val="accent1"/>
+          </a:effectRef>
+          <a:fontRef idx="minor">
+            <a:schemeClr val="tx1"/>
+          </a:fontRef>
+        </p:style>
+      </p:cxnSp>
+      <p:pic>
+        <p:nvPicPr>
+          <p:cNvPr id="15" name="Picture 14">
+            <a:extLst>
+              <a:ext uri="{FF2B5EF4-FFF2-40B4-BE49-F238E27FC236}">
+                <a16:creationId xmlns:a16="http://schemas.microsoft.com/office/drawing/2014/main" id="{99AE848D-6EB0-417F-B73D-6D6C0DD6C2D7}"/>
+              </a:ext>
+            </a:extLst>
+          </p:cNvPr>
+          <p:cNvPicPr>
+            <a:picLocks noChangeAspect="1"/>
+          </p:cNvPicPr>
+          <p:nvPr/>
+        </p:nvPicPr>
+        <p:blipFill>
+          <a:blip r:embed="rId4"/>
+          <a:stretch>
+            <a:fillRect/>
+          </a:stretch>
+        </p:blipFill>
+        <p:spPr>
+          <a:xfrm>
+            <a:off x="1986395" y="5066779"/>
+            <a:ext cx="590550" cy="495300"/>
+          </a:xfrm>
+          <a:prstGeom prst="rect">
+            <a:avLst/>
+          </a:prstGeom>
+        </p:spPr>
+      </p:pic>
+      <p:cxnSp>
+        <p:nvCxnSpPr>
+          <p:cNvPr id="17" name="Straight Arrow Connector 16">
+            <a:extLst>
+              <a:ext uri="{FF2B5EF4-FFF2-40B4-BE49-F238E27FC236}">
+                <a16:creationId xmlns:a16="http://schemas.microsoft.com/office/drawing/2014/main" id="{1E2ED280-F798-464B-9755-213D28CF4753}"/>
+              </a:ext>
+            </a:extLst>
+          </p:cNvPr>
+          <p:cNvCxnSpPr>
+            <a:stCxn id="15" idx="3"/>
+          </p:cNvCxnSpPr>
+          <p:nvPr/>
+        </p:nvCxnSpPr>
+        <p:spPr>
+          <a:xfrm flipV="1">
+            <a:off x="2576945" y="5190836"/>
+            <a:ext cx="1616364" cy="123593"/>
+          </a:xfrm>
+          <a:prstGeom prst="straightConnector1">
+            <a:avLst/>
+          </a:prstGeom>
+          <a:ln>
+            <a:tailEnd type="triangle"/>
+          </a:ln>
+        </p:spPr>
+        <p:style>
+          <a:lnRef idx="1">
+            <a:schemeClr val="accent1"/>
+          </a:lnRef>
+          <a:fillRef idx="0">
+            <a:schemeClr val="accent1"/>
+          </a:fillRef>
+          <a:effectRef idx="0">
+            <a:schemeClr val="accent1"/>
+          </a:effectRef>
+          <a:fontRef idx="minor">
+            <a:schemeClr val="tx1"/>
+          </a:fontRef>
+        </p:style>
+      </p:cxnSp>
+    </p:spTree>
+    <p:extLst>
+      <p:ext uri="{BB962C8B-B14F-4D97-AF65-F5344CB8AC3E}">
+        <p14:creationId xmlns:p14="http://schemas.microsoft.com/office/powerpoint/2010/main" val="1516007413"/>
+      </p:ext>
+    </p:extLst>
+  </p:cSld>
+  <p:clrMapOvr>
+    <a:masterClrMapping/>
+  </p:clrMapOvr>
+</p:sld>
+</file>
+
+<file path=ppt/slides/slide11.xml><?xml version="1.0" encoding="utf-8"?>
+<p:sld xmlns:a="http://schemas.openxmlformats.org/drawingml/2006/main" xmlns:r="http://schemas.openxmlformats.org/officeDocument/2006/relationships" xmlns:p="http://schemas.openxmlformats.org/presentationml/2006/main">
+  <p:cSld>
+    <p:spTree>
+      <p:nvGrpSpPr>
+        <p:cNvPr id="1" name=""/>
+        <p:cNvGrpSpPr/>
+        <p:nvPr/>
+      </p:nvGrpSpPr>
+      <p:grpSpPr>
+        <a:xfrm>
+          <a:off x="0" y="0"/>
+          <a:ext cx="0" cy="0"/>
+          <a:chOff x="0" y="0"/>
+          <a:chExt cx="0" cy="0"/>
+        </a:xfrm>
+      </p:grpSpPr>
+      <p:sp>
+        <p:nvSpPr>
+          <p:cNvPr id="2" name="Title 1">
+            <a:extLst>
+              <a:ext uri="{FF2B5EF4-FFF2-40B4-BE49-F238E27FC236}">
+                <a16:creationId xmlns:a16="http://schemas.microsoft.com/office/drawing/2014/main" id="{E91D9556-1550-4FDA-8D8B-D0B75470E5F8}"/>
+              </a:ext>
+            </a:extLst>
+          </p:cNvPr>
+          <p:cNvSpPr>
+            <a:spLocks noGrp="1"/>
+          </p:cNvSpPr>
+          <p:nvPr>
+            <p:ph type="title"/>
+          </p:nvPr>
+        </p:nvSpPr>
+        <p:spPr>
+          <a:xfrm>
+            <a:off x="976745" y="-42379"/>
+            <a:ext cx="10515600" cy="1325563"/>
+          </a:xfrm>
+        </p:spPr>
+        <p:txBody>
+          <a:bodyPr/>
+          <a:lstStyle/>
+          <a:p>
+            <a:r>
+              <a:rPr lang="en-US" dirty="0"/>
+              <a:t>Anti-fuse </a:t>
+            </a:r>
+          </a:p>
+        </p:txBody>
+      </p:sp>
+      <p:sp>
+        <p:nvSpPr>
+          <p:cNvPr id="3" name="Content Placeholder 2">
+            <a:extLst>
+              <a:ext uri="{FF2B5EF4-FFF2-40B4-BE49-F238E27FC236}">
+                <a16:creationId xmlns:a16="http://schemas.microsoft.com/office/drawing/2014/main" id="{A2860553-0321-4E6A-B235-15F83BBA56B1}"/>
+              </a:ext>
+            </a:extLst>
+          </p:cNvPr>
+          <p:cNvSpPr>
+            <a:spLocks noGrp="1"/>
+          </p:cNvSpPr>
+          <p:nvPr>
+            <p:ph idx="1"/>
+          </p:nvPr>
+        </p:nvSpPr>
+        <p:spPr>
+          <a:xfrm>
+            <a:off x="332509" y="997527"/>
+            <a:ext cx="11021291" cy="5179436"/>
+          </a:xfrm>
+        </p:spPr>
+        <p:txBody>
+          <a:bodyPr/>
+          <a:lstStyle/>
+          <a:p>
+            <a:r>
+              <a:rPr lang="en-US" dirty="0"/>
+              <a:t>Why we need a dielectric layer(sio2)?</a:t>
+            </a:r>
+          </a:p>
+          <a:p>
+            <a:pPr lvl="1"/>
+            <a:r>
+              <a:rPr lang="en-US" dirty="0"/>
+              <a:t>-</a:t>
+            </a:r>
+            <a:r>
+              <a:rPr lang="en-US" b="0" i="0" dirty="0">
+                <a:solidFill>
+                  <a:srgbClr val="202124"/>
+                </a:solidFill>
+                <a:effectLst/>
+                <a:latin typeface="arial" panose="020B0604020202020204" pitchFamily="34" charset="0"/>
+              </a:rPr>
+              <a:t>The gate oxide </a:t>
+            </a:r>
+            <a:r>
+              <a:rPr lang="en-US" b="1" i="0" dirty="0">
+                <a:solidFill>
+                  <a:srgbClr val="202124"/>
+                </a:solidFill>
+                <a:effectLst/>
+                <a:latin typeface="arial" panose="020B0604020202020204" pitchFamily="34" charset="0"/>
+              </a:rPr>
+              <a:t>serves as the dielectric layer so</a:t>
+            </a:r>
+            <a:r>
+              <a:rPr lang="en-US" b="0" i="0" dirty="0">
+                <a:solidFill>
+                  <a:srgbClr val="202124"/>
+                </a:solidFill>
+                <a:effectLst/>
+                <a:latin typeface="arial" panose="020B0604020202020204" pitchFamily="34" charset="0"/>
+              </a:rPr>
+              <a:t> that the gate can sustain as high as 1 to 5 MV/cm transverse electric field in order to strongly modulate the conductance of the channel.</a:t>
+            </a:r>
+          </a:p>
+          <a:p>
+            <a:pPr lvl="1"/>
+            <a:endParaRPr lang="en-US" dirty="0"/>
+          </a:p>
+          <a:p>
+            <a:pPr lvl="1"/>
+            <a:endParaRPr lang="en-US" dirty="0"/>
+          </a:p>
+          <a:p>
+            <a:pPr lvl="1"/>
+            <a:endParaRPr lang="en-US" dirty="0"/>
+          </a:p>
+          <a:p>
+            <a:endParaRPr lang="en-US" dirty="0"/>
+          </a:p>
+          <a:p>
+            <a:endParaRPr lang="en-US" dirty="0"/>
+          </a:p>
+          <a:p>
+            <a:endParaRPr lang="en-US" dirty="0"/>
+          </a:p>
+          <a:p>
+            <a:r>
+              <a:rPr lang="en-US" dirty="0"/>
+              <a:t>Anti-fuse: High voltage causes break down of oxide(form a permanent electrically conductive path)</a:t>
+            </a:r>
+          </a:p>
+        </p:txBody>
+      </p:sp>
+      <p:pic>
+        <p:nvPicPr>
+          <p:cNvPr id="8" name="Picture 2" descr="The Physical Structure NMOS Gate oxide Polysilicon Gate">
+            <a:extLst>
+              <a:ext uri="{FF2B5EF4-FFF2-40B4-BE49-F238E27FC236}">
+                <a16:creationId xmlns:a16="http://schemas.microsoft.com/office/drawing/2014/main" id="{10A06B21-ADB6-45F4-8BB3-EBC0AA5FB96B}"/>
+              </a:ext>
+            </a:extLst>
+          </p:cNvPr>
+          <p:cNvPicPr>
+            <a:picLocks noChangeAspect="1" noChangeArrowheads="1"/>
+          </p:cNvPicPr>
+          <p:nvPr/>
+        </p:nvPicPr>
+        <p:blipFill>
+          <a:blip r:embed="rId2">
+            <a:extLst>
+              <a:ext uri="{28A0092B-C50C-407E-A947-70E740481C1C}">
+                <a14:useLocalDpi xmlns:a14="http://schemas.microsoft.com/office/drawing/2010/main" val="0"/>
+              </a:ext>
+            </a:extLst>
+          </a:blip>
+          <a:srcRect/>
+          <a:stretch>
+            <a:fillRect/>
+          </a:stretch>
+        </p:blipFill>
+        <p:spPr bwMode="auto">
+          <a:xfrm>
+            <a:off x="7124795" y="2155463"/>
+            <a:ext cx="3665393" cy="2749045"/>
+          </a:xfrm>
+          <a:prstGeom prst="rect">
+            <a:avLst/>
+          </a:prstGeom>
+          <a:noFill/>
+          <a:extLst>
+            <a:ext uri="{909E8E84-426E-40DD-AFC4-6F175D3DCCD1}">
+              <a14:hiddenFill xmlns:a14="http://schemas.microsoft.com/office/drawing/2010/main">
+                <a:solidFill>
+                  <a:srgbClr val="FFFFFF"/>
+                </a:solidFill>
+              </a14:hiddenFill>
+            </a:ext>
+          </a:extLst>
+        </p:spPr>
+      </p:pic>
+    </p:spTree>
+    <p:extLst>
+      <p:ext uri="{BB962C8B-B14F-4D97-AF65-F5344CB8AC3E}">
+        <p14:creationId xmlns:p14="http://schemas.microsoft.com/office/powerpoint/2010/main" val="1867958213"/>
+      </p:ext>
+    </p:extLst>
+  </p:cSld>
+  <p:clrMapOvr>
+    <a:masterClrMapping/>
+  </p:clrMapOvr>
+</p:sld>
+</file>
+
 <file path=ppt/slides/slide2.xml><?xml version="1.0" encoding="utf-8"?>
 <p:sld xmlns:a="http://schemas.openxmlformats.org/drawingml/2006/main" xmlns:r="http://schemas.openxmlformats.org/officeDocument/2006/relationships" xmlns:p="http://schemas.openxmlformats.org/presentationml/2006/main">
   <p:cSld>
@@ -3689,7 +4236,7 @@
                   <a:srgbClr val="FF0000"/>
                 </a:solidFill>
               </a:rPr>
-              <a:t>that’s where fusing comes into picture, fusing helps to permanently put all the information into fuse box and when the chip boot up, this information will be transfer to RAM so that individual IP can go and grab</a:t>
+              <a:t>that’s where fusing comes into picture, fusing helps to permanently put all the information into fuse box and when the chip boot up, this information will be transfer to SRAM</a:t>
             </a:r>
             <a:r>
               <a:rPr lang="en-US" dirty="0"/>
@@ -3829,7 +4376,7 @@
           <p:cNvPr id="2" name="Title 1">
             <a:extLst>
               <a:ext uri="{FF2B5EF4-FFF2-40B4-BE49-F238E27FC236}">
-                <a16:creationId xmlns:a16="http://schemas.microsoft.com/office/drawing/2014/main" id="{1F4AF1CF-87D8-449A-A223-B6F4D27BFAE1}"/>
+                <a16:creationId xmlns:a16="http://schemas.microsoft.com/office/drawing/2014/main" id="{865884CE-7BBB-486A-AA9B-1F169C9EE89D}"/>
               </a:ext>
             </a:extLst>
           </p:cNvPr>
@@ -3847,7 +4394,7 @@
           <a:p>
             <a:r>
               <a:rPr lang="en-US" dirty="0"/>
-              <a:t>Purpose of logic locking</a:t>
+              <a:t>What is semi custom chip</a:t>
             </a:r>
           </a:p>
         </p:txBody>
@@ -3857,7 +4404,7 @@
           <p:cNvPr id="3" name="Content Placeholder 2">
             <a:extLst>
               <a:ext uri="{FF2B5EF4-FFF2-40B4-BE49-F238E27FC236}">
-                <a16:creationId xmlns:a16="http://schemas.microsoft.com/office/drawing/2014/main" id="{3C53D660-8FD6-4EE5-A7E5-7DA4EFDD52C6}"/>
+                <a16:creationId xmlns:a16="http://schemas.microsoft.com/office/drawing/2014/main" id="{8453D57C-3D10-482B-B839-E6752D5F04F5}"/>
               </a:ext>
             </a:extLst>
           </p:cNvPr>
@@ -3874,20 +4421,75 @@
           <a:lstStyle/>
           <a:p>
             <a:r>
-              <a:rPr lang="en-US" dirty="0"/>
-              <a:t>Prevent fab secretly fabricate chip (chips are useless until been activated by the key, that’s where fusing comes into picture)</a:t>
-            </a:r>
-          </a:p>
-          <a:p>
-            <a:endParaRPr lang="en-US" dirty="0"/>
-          </a:p>
-          <a:p>
-            <a:r>
-              <a:rPr lang="en-US" dirty="0"/>
-              <a:t>Even someone reverse engineering and saw the locked netlist, they won’t understand exactly what does the circuit  do! </a:t>
-            </a:r>
-          </a:p>
-          <a:p>
+              <a:rPr lang="en-US" b="0" i="0" dirty="0">
+                <a:solidFill>
+                  <a:srgbClr val="202124"/>
+                </a:solidFill>
+                <a:effectLst/>
+                <a:latin typeface="arial" panose="020B0604020202020204" pitchFamily="34" charset="0"/>
+              </a:rPr>
+              <a:t>Microsoft Xbox One and the Sony PlayStation 4 are powered by their own custom AMD processor </a:t>
+            </a:r>
+            <a:r>
+              <a:rPr lang="en-US" b="0" i="0" dirty="0">
+                <a:solidFill>
+                  <a:srgbClr val="FF0000"/>
+                </a:solidFill>
+                <a:effectLst/>
+                <a:latin typeface="arial" panose="020B0604020202020204" pitchFamily="34" charset="0"/>
+              </a:rPr>
+              <a:t>unique</a:t>
+            </a:r>
+            <a:r>
+              <a:rPr lang="en-US" b="0" i="0" dirty="0">
+                <a:solidFill>
+                  <a:srgbClr val="202124"/>
+                </a:solidFill>
+                <a:effectLst/>
+                <a:latin typeface="arial" panose="020B0604020202020204" pitchFamily="34" charset="0"/>
+              </a:rPr>
+              <a:t> to each console </a:t>
+            </a:r>
+            <a:r>
+              <a:rPr lang="en-US" b="0" i="0" dirty="0">
+                <a:solidFill>
+                  <a:srgbClr val="FF0000"/>
+                </a:solidFill>
+                <a:effectLst/>
+                <a:latin typeface="arial" panose="020B0604020202020204" pitchFamily="34" charset="0"/>
+              </a:rPr>
+              <a:t>design</a:t>
+            </a:r>
+            <a:r>
+              <a:rPr lang="en-US" b="0" i="0" dirty="0">
+                <a:solidFill>
+                  <a:srgbClr val="202124"/>
+                </a:solidFill>
+                <a:effectLst/>
+                <a:latin typeface="arial" panose="020B0604020202020204" pitchFamily="34" charset="0"/>
+              </a:rPr>
+              <a:t>, yet both pack powerful multi-core AMD CPU and graphics technology in a single chip (</a:t>
+            </a:r>
+            <a:r>
+              <a:rPr lang="en-US" b="0" i="0" dirty="0">
+                <a:solidFill>
+                  <a:srgbClr val="FF0000"/>
+                </a:solidFill>
+                <a:effectLst/>
+                <a:latin typeface="arial" panose="020B0604020202020204" pitchFamily="34" charset="0"/>
+              </a:rPr>
+              <a:t>APU</a:t>
+            </a:r>
+            <a:r>
+              <a:rPr lang="en-US" b="0" i="0" dirty="0">
+                <a:solidFill>
+                  <a:srgbClr val="202124"/>
+                </a:solidFill>
+                <a:effectLst/>
+                <a:latin typeface="arial" panose="020B0604020202020204" pitchFamily="34" charset="0"/>
+              </a:rPr>
+              <a:t>).</a:t>
+            </a:r>
             <a:endParaRPr lang="en-US" dirty="0"/>
           </a:p>
         </p:txBody>
@@ -3895,7 +4497,7 @@
     </p:spTree>
     <p:extLst>
       <p:ext uri="{BB962C8B-B14F-4D97-AF65-F5344CB8AC3E}">
-        <p14:creationId xmlns:p14="http://schemas.microsoft.com/office/powerpoint/2010/main" val="3299183634"/>
+        <p14:creationId xmlns:p14="http://schemas.microsoft.com/office/powerpoint/2010/main" val="2285389345"/>
       </p:ext>
     </p:extLst>
   </p:cSld>
@@ -3927,7 +4529,7 @@
           <p:cNvPr id="2" name="Title 1">
             <a:extLst>
               <a:ext uri="{FF2B5EF4-FFF2-40B4-BE49-F238E27FC236}">
-                <a16:creationId xmlns:a16="http://schemas.microsoft.com/office/drawing/2014/main" id="{2A968B2B-4926-4DB7-825B-0DDCDDBA4A4A}"/>
+                <a16:creationId xmlns:a16="http://schemas.microsoft.com/office/drawing/2014/main" id="{2AB7DDBF-AA1F-4037-B59E-15635E4EE644}"/>
               </a:ext>
             </a:extLst>
           </p:cNvPr>
@@ -3945,7 +4547,7 @@
           <a:p>
             <a:r>
               <a:rPr lang="en-US" dirty="0"/>
-              <a:t>Why need fuse?</a:t>
+              <a:t>CPU VS GPU</a:t>
             </a:r>
           </a:p>
         </p:txBody>
@@ -3955,7 +4557,7 @@
           <p:cNvPr id="3" name="Content Placeholder 2">
             <a:extLst>
               <a:ext uri="{FF2B5EF4-FFF2-40B4-BE49-F238E27FC236}">
-                <a16:creationId xmlns:a16="http://schemas.microsoft.com/office/drawing/2014/main" id="{2522B3AF-229A-48C4-853D-4C058642E93B}"/>
+                <a16:creationId xmlns:a16="http://schemas.microsoft.com/office/drawing/2014/main" id="{A08CED8F-3DB8-492C-9B57-A0C461C32E73}"/>
               </a:ext>
             </a:extLst>
           </p:cNvPr>
@@ -3973,45 +4575,82 @@
           <a:p>
             <a:r>
               <a:rPr lang="en-US" dirty="0"/>
-              <a:t>Fuse (permanently store) key information for each of the IP</a:t>
-            </a:r>
-          </a:p>
-          <a:p>
+              <a:t>Processor core:</a:t>
+            </a:r>
+          </a:p>
+          <a:p>
+            <a:pPr lvl="1"/>
             <a:endParaRPr lang="en-US" dirty="0"/>
           </a:p>
-          <a:p>
-            <a:r>
-              <a:rPr lang="en-US" dirty="0" err="1"/>
-              <a:t>eFuse</a:t>
-            </a:r>
+        </p:txBody>
+      </p:sp>
+      <p:pic>
+        <p:nvPicPr>
+          <p:cNvPr id="5" name="Picture 4">
+            <a:extLst>
+              <a:ext uri="{FF2B5EF4-FFF2-40B4-BE49-F238E27FC236}">
+                <a16:creationId xmlns:a16="http://schemas.microsoft.com/office/drawing/2014/main" id="{F4D41343-99C6-4AF0-AB1A-FCC0E6D7E656}"/>
+              </a:ext>
+            </a:extLst>
+          </p:cNvPr>
+          <p:cNvPicPr>
+            <a:picLocks noChangeAspect="1"/>
+          </p:cNvPicPr>
+          <p:nvPr/>
+        </p:nvPicPr>
+        <p:blipFill>
+          <a:blip r:embed="rId2"/>
+          <a:stretch>
+            <a:fillRect/>
+          </a:stretch>
+        </p:blipFill>
+        <p:spPr>
+          <a:xfrm>
+            <a:off x="3590871" y="1954762"/>
+            <a:ext cx="3322060" cy="3610689"/>
+          </a:xfrm>
+          <a:prstGeom prst="rect">
+            <a:avLst/>
+          </a:prstGeom>
+        </p:spPr>
+      </p:pic>
+      <p:sp>
+        <p:nvSpPr>
+          <p:cNvPr id="6" name="TextBox 5">
+            <a:extLst>
+              <a:ext uri="{FF2B5EF4-FFF2-40B4-BE49-F238E27FC236}">
+                <a16:creationId xmlns:a16="http://schemas.microsoft.com/office/drawing/2014/main" id="{27E3D48C-CBFA-4636-9847-D2017B33C795}"/>
+              </a:ext>
+            </a:extLst>
+          </p:cNvPr>
+          <p:cNvSpPr txBox="1"/>
+          <p:nvPr/>
+        </p:nvSpPr>
+        <p:spPr>
+          <a:xfrm>
+            <a:off x="7243916" y="2761861"/>
+            <a:ext cx="3778898" cy="923330"/>
+          </a:xfrm>
+          <a:prstGeom prst="rect">
+            <a:avLst/>
+          </a:prstGeom>
+          <a:noFill/>
+        </p:spPr>
+        <p:txBody>
+          <a:bodyPr wrap="square" rtlCol="0">
+            <a:spAutoFit/>
+          </a:bodyPr>
+          <a:lstStyle/>
+          <a:p>
             <a:r>
               <a:rPr lang="en-US" dirty="0"/>
-              <a:t> is a technology which helps to permanently store information in the chip (similar to ROM)</a:t>
-            </a:r>
-          </a:p>
-          <a:p>
-            <a:endParaRPr lang="en-US" dirty="0"/>
+              <a:t>Cores are small processing unit.</a:t>
+            </a:r>
           </a:p>
           <a:p>
             <a:r>
               <a:rPr lang="en-US" dirty="0"/>
-              <a:t>When device boot up, this information will be </a:t>
-            </a:r>
-            <a:r>
-              <a:rPr lang="en-US" dirty="0" err="1"/>
-              <a:t>tranfer</a:t>
-            </a:r>
-            <a:r>
-              <a:rPr lang="en-US" dirty="0"/>
-              <a:t> to RAM and </a:t>
-            </a:r>
-            <a:r>
-              <a:rPr lang="en-US" dirty="0" err="1"/>
-              <a:t>indivial</a:t>
-            </a:r>
-            <a:r>
-              <a:rPr lang="en-US" dirty="0"/>
-              <a:t> IP will go and grab the assigned information (0,1) base on IP address</a:t>
+              <a:t>Run instruction on separate cores in parallel (faster )</a:t>
             </a:r>
           </a:p>
         </p:txBody>
@@ -4019,7 +4658,7 @@
     </p:spTree>
     <p:extLst>
       <p:ext uri="{BB962C8B-B14F-4D97-AF65-F5344CB8AC3E}">
-        <p14:creationId xmlns:p14="http://schemas.microsoft.com/office/powerpoint/2010/main" val="3712907799"/>
+        <p14:creationId xmlns:p14="http://schemas.microsoft.com/office/powerpoint/2010/main" val="1596025832"/>
       </p:ext>
     </p:extLst>
   </p:cSld>
@@ -4051,7 +4690,7 @@
           <p:cNvPr id="2" name="Title 1">
             <a:extLst>
               <a:ext uri="{FF2B5EF4-FFF2-40B4-BE49-F238E27FC236}">
-                <a16:creationId xmlns:a16="http://schemas.microsoft.com/office/drawing/2014/main" id="{8EB4EF8A-B821-49C7-ABDF-213329AF9923}"/>
+                <a16:creationId xmlns:a16="http://schemas.microsoft.com/office/drawing/2014/main" id="{6E7CB192-C3B1-403F-BD2C-09A4C58A913B}"/>
               </a:ext>
             </a:extLst>
           </p:cNvPr>
@@ -4061,71 +4700,11 @@
           <p:nvPr>
             <p:ph type="title"/>
           </p:nvPr>
-        </p:nvSpPr>
-        <p:spPr/>
-        <p:txBody>
-          <a:bodyPr/>
-          <a:lstStyle/>
-          <a:p>
-            <a:r>
-              <a:rPr lang="en-US" dirty="0"/>
-              <a:t>Types of fuse (effuse vs anti-fuse)</a:t>
-            </a:r>
-          </a:p>
-        </p:txBody>
-      </p:sp>
-      <p:sp>
-        <p:nvSpPr>
-          <p:cNvPr id="4" name="TextBox 3">
-            <a:extLst>
-              <a:ext uri="{FF2B5EF4-FFF2-40B4-BE49-F238E27FC236}">
-                <a16:creationId xmlns:a16="http://schemas.microsoft.com/office/drawing/2014/main" id="{3E131FC3-5560-46E5-9DE1-BFF542B92A1D}"/>
-              </a:ext>
-            </a:extLst>
-          </p:cNvPr>
-          <p:cNvSpPr txBox="1"/>
-          <p:nvPr/>
         </p:nvSpPr>
         <p:spPr>
           <a:xfrm>
-            <a:off x="1265382" y="1810327"/>
-            <a:ext cx="2623127" cy="1325563"/>
-          </a:xfrm>
-          <a:prstGeom prst="rect">
-            <a:avLst/>
-          </a:prstGeom>
-          <a:noFill/>
-        </p:spPr>
-        <p:txBody>
-          <a:bodyPr wrap="square" rtlCol="0">
-            <a:spAutoFit/>
-          </a:bodyPr>
-          <a:lstStyle/>
-          <a:p>
-            <a:endParaRPr lang="en-US" dirty="0"/>
-          </a:p>
-        </p:txBody>
-      </p:sp>
-      <p:sp>
-        <p:nvSpPr>
-          <p:cNvPr id="6" name="Content Placeholder 5">
-            <a:extLst>
-              <a:ext uri="{FF2B5EF4-FFF2-40B4-BE49-F238E27FC236}">
-                <a16:creationId xmlns:a16="http://schemas.microsoft.com/office/drawing/2014/main" id="{AD973092-6A95-4FFD-9AD1-33006B81FB85}"/>
-              </a:ext>
-            </a:extLst>
-          </p:cNvPr>
-          <p:cNvSpPr>
-            <a:spLocks noGrp="1"/>
-          </p:cNvSpPr>
-          <p:nvPr>
-            <p:ph idx="1"/>
-          </p:nvPr>
-        </p:nvSpPr>
-        <p:spPr>
-          <a:xfrm>
-            <a:off x="838200" y="1414751"/>
-            <a:ext cx="10515600" cy="4351338"/>
+            <a:off x="838200" y="0"/>
+            <a:ext cx="10515600" cy="1325563"/>
           </a:xfrm>
         </p:spPr>
         <p:txBody>
@@ -4134,65 +4713,30 @@
           <a:p>
             <a:r>
               <a:rPr lang="en-US" dirty="0" err="1"/>
-              <a:t>Efuse</a:t>
-            </a:r>
-            <a:endParaRPr lang="en-US" dirty="0"/>
-          </a:p>
-          <a:p>
-            <a:endParaRPr lang="en-US" dirty="0"/>
-          </a:p>
-          <a:p>
-            <a:pPr lvl="1"/>
+              <a:t>Cont</a:t>
+            </a:r>
             <a:r>
               <a:rPr lang="en-US" dirty="0"/>
-              <a:t> Fuse link(metal) can be broken via high voltage/current</a:t>
-            </a:r>
-          </a:p>
-          <a:p>
-            <a:pPr lvl="1"/>
-            <a:r>
-              <a:rPr lang="en-US" dirty="0"/>
-              <a:t>Electromigration (high current flow through thin metal cause the metal to move and break the connection)</a:t>
-            </a:r>
-          </a:p>
-          <a:p>
-            <a:pPr lvl="1"/>
-            <a:endParaRPr lang="en-US" dirty="0"/>
-          </a:p>
-          <a:p>
-            <a:pPr marL="457200" lvl="1" indent="0">
-              <a:buNone/>
-            </a:pPr>
-            <a:endParaRPr lang="en-US" dirty="0"/>
-          </a:p>
-          <a:p>
-            <a:pPr marL="914400" lvl="2" indent="0">
-              <a:buNone/>
-            </a:pPr>
-            <a:r>
-              <a:rPr lang="en-US" dirty="0"/>
-              <a:t> </a:t>
-            </a:r>
-          </a:p>
-          <a:p>
-            <a:pPr lvl="1"/>
-            <a:endParaRPr lang="en-US" dirty="0"/>
+              <a:t>’..</a:t>
+            </a:r>
           </a:p>
         </p:txBody>
       </p:sp>
       <p:pic>
         <p:nvPicPr>
-          <p:cNvPr id="8" name="Picture 7">
-            <a:extLst>
-              <a:ext uri="{FF2B5EF4-FFF2-40B4-BE49-F238E27FC236}">
-                <a16:creationId xmlns:a16="http://schemas.microsoft.com/office/drawing/2014/main" id="{2BA021EA-F0E2-45D6-A927-A7D88710C8DA}"/>
+          <p:cNvPr id="5" name="Content Placeholder 4">
+            <a:extLst>
+              <a:ext uri="{FF2B5EF4-FFF2-40B4-BE49-F238E27FC236}">
+                <a16:creationId xmlns:a16="http://schemas.microsoft.com/office/drawing/2014/main" id="{36C42829-9433-4A06-9BE5-18537ED1BE87}"/>
               </a:ext>
             </a:extLst>
           </p:cNvPr>
           <p:cNvPicPr>
-            <a:picLocks noChangeAspect="1"/>
+            <a:picLocks noGrp="1" noChangeAspect="1"/>
           </p:cNvPicPr>
-          <p:nvPr/>
+          <p:nvPr>
+            <p:ph idx="1"/>
+          </p:nvPr>
         </p:nvPicPr>
         <p:blipFill>
           <a:blip r:embed="rId2"/>
@@ -4202,160 +4746,122 @@
         </p:blipFill>
         <p:spPr>
           <a:xfrm>
-            <a:off x="4349393" y="4486042"/>
-            <a:ext cx="1802959" cy="1656773"/>
+            <a:off x="1810328" y="1247018"/>
+            <a:ext cx="5302483" cy="3169407"/>
+          </a:xfrm>
+        </p:spPr>
+      </p:pic>
+      <p:sp>
+        <p:nvSpPr>
+          <p:cNvPr id="6" name="TextBox 5">
+            <a:extLst>
+              <a:ext uri="{FF2B5EF4-FFF2-40B4-BE49-F238E27FC236}">
+                <a16:creationId xmlns:a16="http://schemas.microsoft.com/office/drawing/2014/main" id="{19B5E0A1-65E5-4EA3-8252-FA189023757A}"/>
+              </a:ext>
+            </a:extLst>
+          </p:cNvPr>
+          <p:cNvSpPr txBox="1"/>
+          <p:nvPr/>
+        </p:nvSpPr>
+        <p:spPr>
+          <a:xfrm>
+            <a:off x="1810328" y="4710546"/>
+            <a:ext cx="7952509" cy="2585323"/>
           </a:xfrm>
           <a:prstGeom prst="rect">
             <a:avLst/>
           </a:prstGeom>
+          <a:noFill/>
         </p:spPr>
-      </p:pic>
-      <p:pic>
-        <p:nvPicPr>
-          <p:cNvPr id="10" name="Picture 9">
-            <a:extLst>
-              <a:ext uri="{FF2B5EF4-FFF2-40B4-BE49-F238E27FC236}">
-                <a16:creationId xmlns:a16="http://schemas.microsoft.com/office/drawing/2014/main" id="{44CBA82D-B4A2-438B-B364-37BBAE140390}"/>
-              </a:ext>
-            </a:extLst>
-          </p:cNvPr>
-          <p:cNvPicPr>
-            <a:picLocks noChangeAspect="1"/>
-          </p:cNvPicPr>
-          <p:nvPr/>
-        </p:nvPicPr>
-        <p:blipFill>
-          <a:blip r:embed="rId3"/>
-          <a:stretch>
-            <a:fillRect/>
-          </a:stretch>
-        </p:blipFill>
-        <p:spPr>
-          <a:xfrm>
-            <a:off x="7010400" y="4306713"/>
-            <a:ext cx="4151312" cy="1520133"/>
-          </a:xfrm>
-          <a:prstGeom prst="rect">
-            <a:avLst/>
-          </a:prstGeom>
-        </p:spPr>
-      </p:pic>
-      <p:cxnSp>
-        <p:nvCxnSpPr>
-          <p:cNvPr id="12" name="Straight Arrow Connector 11">
-            <a:extLst>
-              <a:ext uri="{FF2B5EF4-FFF2-40B4-BE49-F238E27FC236}">
-                <a16:creationId xmlns:a16="http://schemas.microsoft.com/office/drawing/2014/main" id="{2F9CEDBB-A5F3-41CA-B68E-7D0C92B88045}"/>
-              </a:ext>
-            </a:extLst>
-          </p:cNvPr>
-          <p:cNvCxnSpPr>
-            <a:cxnSpLocks/>
-          </p:cNvCxnSpPr>
-          <p:nvPr/>
-        </p:nvCxnSpPr>
-        <p:spPr>
-          <a:xfrm flipV="1">
-            <a:off x="5569527" y="4978400"/>
-            <a:ext cx="2817091" cy="88379"/>
-          </a:xfrm>
-          <a:prstGeom prst="straightConnector1">
-            <a:avLst/>
-          </a:prstGeom>
-          <a:ln>
-            <a:tailEnd type="triangle"/>
-          </a:ln>
-        </p:spPr>
-        <p:style>
-          <a:lnRef idx="1">
-            <a:schemeClr val="accent1"/>
-          </a:lnRef>
-          <a:fillRef idx="0">
-            <a:schemeClr val="accent1"/>
-          </a:fillRef>
-          <a:effectRef idx="0">
-            <a:schemeClr val="accent1"/>
-          </a:effectRef>
-          <a:fontRef idx="minor">
-            <a:schemeClr val="tx1"/>
-          </a:fontRef>
-        </p:style>
-      </p:cxnSp>
-      <p:pic>
-        <p:nvPicPr>
-          <p:cNvPr id="15" name="Picture 14">
-            <a:extLst>
-              <a:ext uri="{FF2B5EF4-FFF2-40B4-BE49-F238E27FC236}">
-                <a16:creationId xmlns:a16="http://schemas.microsoft.com/office/drawing/2014/main" id="{99AE848D-6EB0-417F-B73D-6D6C0DD6C2D7}"/>
-              </a:ext>
-            </a:extLst>
-          </p:cNvPr>
-          <p:cNvPicPr>
-            <a:picLocks noChangeAspect="1"/>
-          </p:cNvPicPr>
-          <p:nvPr/>
-        </p:nvPicPr>
-        <p:blipFill>
-          <a:blip r:embed="rId4"/>
-          <a:stretch>
-            <a:fillRect/>
-          </a:stretch>
-        </p:blipFill>
-        <p:spPr>
-          <a:xfrm>
-            <a:off x="1986395" y="5066779"/>
-            <a:ext cx="590550" cy="495300"/>
-          </a:xfrm>
-          <a:prstGeom prst="rect">
-            <a:avLst/>
-          </a:prstGeom>
-        </p:spPr>
-      </p:pic>
-      <p:cxnSp>
-        <p:nvCxnSpPr>
-          <p:cNvPr id="17" name="Straight Arrow Connector 16">
-            <a:extLst>
-              <a:ext uri="{FF2B5EF4-FFF2-40B4-BE49-F238E27FC236}">
-                <a16:creationId xmlns:a16="http://schemas.microsoft.com/office/drawing/2014/main" id="{1E2ED280-F798-464B-9755-213D28CF4753}"/>
-              </a:ext>
-            </a:extLst>
-          </p:cNvPr>
-          <p:cNvCxnSpPr>
-            <a:stCxn id="15" idx="3"/>
-          </p:cNvCxnSpPr>
-          <p:nvPr/>
-        </p:nvCxnSpPr>
-        <p:spPr>
-          <a:xfrm flipV="1">
-            <a:off x="2576945" y="5190836"/>
-            <a:ext cx="1616364" cy="123593"/>
-          </a:xfrm>
-          <a:prstGeom prst="straightConnector1">
-            <a:avLst/>
-          </a:prstGeom>
-          <a:ln>
-            <a:tailEnd type="triangle"/>
-          </a:ln>
-        </p:spPr>
-        <p:style>
-          <a:lnRef idx="1">
-            <a:schemeClr val="accent1"/>
-          </a:lnRef>
-          <a:fillRef idx="0">
-            <a:schemeClr val="accent1"/>
-          </a:fillRef>
-          <a:effectRef idx="0">
-            <a:schemeClr val="accent1"/>
-          </a:effectRef>
-          <a:fontRef idx="minor">
-            <a:schemeClr val="tx1"/>
-          </a:fontRef>
-        </p:style>
-      </p:cxnSp>
+        <p:txBody>
+          <a:bodyPr wrap="square" rtlCol="0">
+            <a:spAutoFit/>
+          </a:bodyPr>
+          <a:lstStyle/>
+          <a:p>
+            <a:pPr marL="285750" indent="-285750">
+              <a:buFontTx/>
+              <a:buChar char="-"/>
+            </a:pPr>
+            <a:r>
+              <a:rPr lang="en-US" dirty="0"/>
+              <a:t>CPU (e.g. 8) has less cores than GPU (a few thousands cores)</a:t>
+            </a:r>
+          </a:p>
+          <a:p>
+            <a:pPr marL="285750" indent="-285750">
+              <a:buFontTx/>
+              <a:buChar char="-"/>
+            </a:pPr>
+            <a:r>
+              <a:rPr lang="en-US" dirty="0"/>
+              <a:t>CPU individual core is much more powerful (because they do complex things). But each core can only </a:t>
+            </a:r>
+            <a:r>
+              <a:rPr lang="en-US" dirty="0" err="1"/>
+              <a:t>performae</a:t>
+            </a:r>
+            <a:r>
+              <a:rPr lang="en-US" dirty="0"/>
+              <a:t> 1 task at a time (it’s kind a </a:t>
+            </a:r>
+            <a:r>
+              <a:rPr lang="en-US" dirty="0">
+                <a:solidFill>
+                  <a:srgbClr val="FF0000"/>
+                </a:solidFill>
+              </a:rPr>
+              <a:t>waste </a:t>
+            </a:r>
+            <a:r>
+              <a:rPr lang="en-US" dirty="0"/>
+              <a:t>to use CPU to </a:t>
+            </a:r>
+            <a:r>
+              <a:rPr lang="en-US" dirty="0" err="1"/>
+              <a:t>performe</a:t>
+            </a:r>
+            <a:r>
+              <a:rPr lang="en-US" dirty="0"/>
+              <a:t> simple image rendering task)</a:t>
+            </a:r>
+          </a:p>
+          <a:p>
+            <a:pPr marL="285750" indent="-285750">
+              <a:buFontTx/>
+              <a:buChar char="-"/>
+            </a:pPr>
+            <a:endParaRPr lang="en-US" dirty="0"/>
+          </a:p>
+          <a:p>
+            <a:pPr marL="285750" indent="-285750">
+              <a:buFontTx/>
+              <a:buChar char="-"/>
+            </a:pPr>
+            <a:r>
+              <a:rPr lang="en-US" dirty="0"/>
+              <a:t>GPU individual core is much less powerful but enough to process image rendering task </a:t>
+            </a:r>
+          </a:p>
+          <a:p>
+            <a:pPr marL="285750" indent="-285750">
+              <a:buFontTx/>
+              <a:buChar char="-"/>
+            </a:pPr>
+            <a:endParaRPr lang="en-US" dirty="0"/>
+          </a:p>
+          <a:p>
+            <a:r>
+              <a:rPr lang="en-US" dirty="0"/>
+              <a:t> </a:t>
+            </a:r>
+          </a:p>
+        </p:txBody>
+      </p:sp>
     </p:spTree>
     <p:extLst>
       <p:ext uri="{BB962C8B-B14F-4D97-AF65-F5344CB8AC3E}">
-        <p14:creationId xmlns:p14="http://schemas.microsoft.com/office/powerpoint/2010/main" val="1516007413"/>
+        <p14:creationId xmlns:p14="http://schemas.microsoft.com/office/powerpoint/2010/main" val="803666431"/>
       </p:ext>
     </p:extLst>
   </p:cSld>
@@ -4387,7 +4893,7 @@
           <p:cNvPr id="2" name="Title 1">
             <a:extLst>
               <a:ext uri="{FF2B5EF4-FFF2-40B4-BE49-F238E27FC236}">
-                <a16:creationId xmlns:a16="http://schemas.microsoft.com/office/drawing/2014/main" id="{E91D9556-1550-4FDA-8D8B-D0B75470E5F8}"/>
+                <a16:creationId xmlns:a16="http://schemas.microsoft.com/office/drawing/2014/main" id="{DEF6F7DB-8E17-4785-959C-FCD36219A955}"/>
               </a:ext>
             </a:extLst>
           </p:cNvPr>
@@ -4398,171 +4904,322 @@
             <p:ph type="title"/>
           </p:nvPr>
         </p:nvSpPr>
-        <p:spPr>
-          <a:xfrm>
-            <a:off x="976745" y="-42379"/>
-            <a:ext cx="10515600" cy="1325563"/>
-          </a:xfrm>
-        </p:spPr>
+        <p:spPr/>
         <p:txBody>
           <a:bodyPr/>
           <a:lstStyle/>
           <a:p>
             <a:r>
               <a:rPr lang="en-US" dirty="0"/>
-              <a:t>Anti-fuse </a:t>
-            </a:r>
-          </a:p>
-        </p:txBody>
-      </p:sp>
-      <p:sp>
-        <p:nvSpPr>
-          <p:cNvPr id="3" name="Content Placeholder 2">
-            <a:extLst>
-              <a:ext uri="{FF2B5EF4-FFF2-40B4-BE49-F238E27FC236}">
-                <a16:creationId xmlns:a16="http://schemas.microsoft.com/office/drawing/2014/main" id="{A2860553-0321-4E6A-B235-15F83BBA56B1}"/>
-              </a:ext>
-            </a:extLst>
-          </p:cNvPr>
-          <p:cNvSpPr>
-            <a:spLocks noGrp="1"/>
-          </p:cNvSpPr>
-          <p:nvPr>
-            <p:ph idx="1"/>
-          </p:nvPr>
-        </p:nvSpPr>
-        <p:spPr>
-          <a:xfrm>
-            <a:off x="332509" y="997527"/>
-            <a:ext cx="11021291" cy="5179436"/>
-          </a:xfrm>
-        </p:spPr>
-        <p:txBody>
-          <a:bodyPr/>
-          <a:lstStyle/>
-          <a:p>
-            <a:r>
-              <a:rPr lang="en-US" dirty="0"/>
-              <a:t>Why we need a dielectric layer(sio2)?</a:t>
-            </a:r>
-          </a:p>
-          <a:p>
-            <a:pPr lvl="1"/>
-            <a:r>
-              <a:rPr lang="en-US" dirty="0"/>
-              <a:t>-</a:t>
-            </a:r>
-            <a:r>
-              <a:rPr lang="en-US" b="0" i="0" dirty="0">
-                <a:solidFill>
-                  <a:srgbClr val="202124"/>
-                </a:solidFill>
-                <a:effectLst/>
-                <a:latin typeface="arial" panose="020B0604020202020204" pitchFamily="34" charset="0"/>
-              </a:rPr>
-              <a:t>The gate oxide </a:t>
-            </a:r>
-            <a:r>
-              <a:rPr lang="en-US" b="1" i="0" dirty="0">
-                <a:solidFill>
-                  <a:srgbClr val="202124"/>
-                </a:solidFill>
-                <a:effectLst/>
-                <a:latin typeface="arial" panose="020B0604020202020204" pitchFamily="34" charset="0"/>
-              </a:rPr>
-              <a:t>serves as the dielectric layer so</a:t>
-            </a:r>
-            <a:r>
-              <a:rPr lang="en-US" b="0" i="0" dirty="0">
-                <a:solidFill>
-                  <a:srgbClr val="202124"/>
-                </a:solidFill>
-                <a:effectLst/>
-                <a:latin typeface="arial" panose="020B0604020202020204" pitchFamily="34" charset="0"/>
-              </a:rPr>
-              <a:t> that the gate can sustain as high as 1 to 5 MV/cm transverse electric field in order to strongly modulate the conductance of the channel.</a:t>
-            </a:r>
-          </a:p>
-          <a:p>
-            <a:pPr lvl="1"/>
-            <a:endParaRPr lang="en-US" dirty="0"/>
-          </a:p>
-          <a:p>
-            <a:pPr lvl="1"/>
-            <a:endParaRPr lang="en-US" dirty="0"/>
-          </a:p>
-          <a:p>
-            <a:pPr lvl="1"/>
-            <a:endParaRPr lang="en-US" dirty="0"/>
-          </a:p>
-          <a:p>
-            <a:endParaRPr lang="en-US" dirty="0"/>
-          </a:p>
-          <a:p>
-            <a:endParaRPr lang="en-US" dirty="0"/>
-          </a:p>
-          <a:p>
-            <a:endParaRPr lang="en-US" dirty="0"/>
-          </a:p>
-          <a:p>
-            <a:r>
-              <a:rPr lang="en-US" dirty="0"/>
-              <a:t>Anti-fuse: High voltage causes break down of oxide(form a permanent electrically conductive path)</a:t>
+              <a:t>System on chip (used in mobile, tablet only)</a:t>
             </a:r>
           </a:p>
         </p:txBody>
       </p:sp>
       <p:pic>
         <p:nvPicPr>
-          <p:cNvPr id="8" name="Picture 2" descr="The Physical Structure NMOS Gate oxide Polysilicon Gate">
-            <a:extLst>
-              <a:ext uri="{FF2B5EF4-FFF2-40B4-BE49-F238E27FC236}">
-                <a16:creationId xmlns:a16="http://schemas.microsoft.com/office/drawing/2014/main" id="{10A06B21-ADB6-45F4-8BB3-EBC0AA5FB96B}"/>
+          <p:cNvPr id="5" name="Content Placeholder 4">
+            <a:extLst>
+              <a:ext uri="{FF2B5EF4-FFF2-40B4-BE49-F238E27FC236}">
+                <a16:creationId xmlns:a16="http://schemas.microsoft.com/office/drawing/2014/main" id="{0A43E153-4C3E-4611-8B61-9D8E07928935}"/>
               </a:ext>
             </a:extLst>
           </p:cNvPr>
           <p:cNvPicPr>
-            <a:picLocks noChangeAspect="1" noChangeArrowheads="1"/>
+            <a:picLocks noGrp="1" noChangeAspect="1"/>
           </p:cNvPicPr>
-          <p:nvPr/>
+          <p:nvPr>
+            <p:ph idx="1"/>
+          </p:nvPr>
         </p:nvPicPr>
         <p:blipFill>
-          <a:blip r:embed="rId2">
-            <a:extLst>
-              <a:ext uri="{28A0092B-C50C-407E-A947-70E740481C1C}">
-                <a14:useLocalDpi xmlns:a14="http://schemas.microsoft.com/office/drawing/2010/main" val="0"/>
-              </a:ext>
-            </a:extLst>
-          </a:blip>
-          <a:srcRect/>
+          <a:blip r:embed="rId2"/>
           <a:stretch>
             <a:fillRect/>
           </a:stretch>
         </p:blipFill>
-        <p:spPr bwMode="auto">
+        <p:spPr>
           <a:xfrm>
-            <a:off x="7124795" y="2155463"/>
-            <a:ext cx="3665393" cy="2749045"/>
+            <a:off x="1173019" y="2050473"/>
+            <a:ext cx="4786693" cy="3498983"/>
+          </a:xfrm>
+        </p:spPr>
+      </p:pic>
+      <p:sp>
+        <p:nvSpPr>
+          <p:cNvPr id="6" name="TextBox 5">
+            <a:extLst>
+              <a:ext uri="{FF2B5EF4-FFF2-40B4-BE49-F238E27FC236}">
+                <a16:creationId xmlns:a16="http://schemas.microsoft.com/office/drawing/2014/main" id="{557A80C0-C079-4660-B6AF-7B7D4CA779A9}"/>
+              </a:ext>
+            </a:extLst>
+          </p:cNvPr>
+          <p:cNvSpPr txBox="1"/>
+          <p:nvPr/>
+        </p:nvSpPr>
+        <p:spPr>
+          <a:xfrm>
+            <a:off x="6668654" y="3315855"/>
+            <a:ext cx="4685145" cy="1477328"/>
           </a:xfrm>
           <a:prstGeom prst="rect">
             <a:avLst/>
           </a:prstGeom>
           <a:noFill/>
-          <a:extLst>
-            <a:ext uri="{909E8E84-426E-40DD-AFC4-6F175D3DCCD1}">
-              <a14:hiddenFill xmlns:a14="http://schemas.microsoft.com/office/drawing/2010/main">
-                <a:solidFill>
-                  <a:srgbClr val="FFFFFF"/>
-                </a:solidFill>
-              </a14:hiddenFill>
-            </a:ext>
-          </a:extLst>
         </p:spPr>
-      </p:pic>
+        <p:txBody>
+          <a:bodyPr wrap="square" rtlCol="0">
+            <a:spAutoFit/>
+          </a:bodyPr>
+          <a:lstStyle/>
+          <a:p>
+            <a:r>
+              <a:rPr lang="en-US" dirty="0"/>
+              <a:t>Soc in mobile/tablet using ARM architecture (power optimization) and not as powerful as pc processor</a:t>
+            </a:r>
+          </a:p>
+          <a:p>
+            <a:endParaRPr lang="en-US" dirty="0"/>
+          </a:p>
+          <a:p>
+            <a:r>
+              <a:rPr lang="en-US" dirty="0"/>
+              <a:t>PC CPU use CIS architecture </a:t>
+            </a:r>
+            <a:r>
+              <a:rPr lang="en-US"/>
+              <a:t>(consume power)</a:t>
+            </a:r>
+            <a:endParaRPr lang="en-US" dirty="0"/>
+          </a:p>
+        </p:txBody>
+      </p:sp>
     </p:spTree>
     <p:extLst>
       <p:ext uri="{BB962C8B-B14F-4D97-AF65-F5344CB8AC3E}">
-        <p14:creationId xmlns:p14="http://schemas.microsoft.com/office/powerpoint/2010/main" val="1867958213"/>
+        <p14:creationId xmlns:p14="http://schemas.microsoft.com/office/powerpoint/2010/main" val="2567257192"/>
+      </p:ext>
+    </p:extLst>
+  </p:cSld>
+  <p:clrMapOvr>
+    <a:masterClrMapping/>
+  </p:clrMapOvr>
+</p:sld>
+</file>
+
+<file path=ppt/slides/slide8.xml><?xml version="1.0" encoding="utf-8"?>
+<p:sld xmlns:a="http://schemas.openxmlformats.org/drawingml/2006/main" xmlns:r="http://schemas.openxmlformats.org/officeDocument/2006/relationships" xmlns:p="http://schemas.openxmlformats.org/presentationml/2006/main">
+  <p:cSld>
+    <p:spTree>
+      <p:nvGrpSpPr>
+        <p:cNvPr id="1" name=""/>
+        <p:cNvGrpSpPr/>
+        <p:nvPr/>
+      </p:nvGrpSpPr>
+      <p:grpSpPr>
+        <a:xfrm>
+          <a:off x="0" y="0"/>
+          <a:ext cx="0" cy="0"/>
+          <a:chOff x="0" y="0"/>
+          <a:chExt cx="0" cy="0"/>
+        </a:xfrm>
+      </p:grpSpPr>
+      <p:sp>
+        <p:nvSpPr>
+          <p:cNvPr id="2" name="Title 1">
+            <a:extLst>
+              <a:ext uri="{FF2B5EF4-FFF2-40B4-BE49-F238E27FC236}">
+                <a16:creationId xmlns:a16="http://schemas.microsoft.com/office/drawing/2014/main" id="{1F4AF1CF-87D8-449A-A223-B6F4D27BFAE1}"/>
+              </a:ext>
+            </a:extLst>
+          </p:cNvPr>
+          <p:cNvSpPr>
+            <a:spLocks noGrp="1"/>
+          </p:cNvSpPr>
+          <p:nvPr>
+            <p:ph type="title"/>
+          </p:nvPr>
+        </p:nvSpPr>
+        <p:spPr/>
+        <p:txBody>
+          <a:bodyPr/>
+          <a:lstStyle/>
+          <a:p>
+            <a:r>
+              <a:rPr lang="en-US" dirty="0"/>
+              <a:t>Purpose of logic locking</a:t>
+            </a:r>
+          </a:p>
+        </p:txBody>
+      </p:sp>
+      <p:sp>
+        <p:nvSpPr>
+          <p:cNvPr id="3" name="Content Placeholder 2">
+            <a:extLst>
+              <a:ext uri="{FF2B5EF4-FFF2-40B4-BE49-F238E27FC236}">
+                <a16:creationId xmlns:a16="http://schemas.microsoft.com/office/drawing/2014/main" id="{3C53D660-8FD6-4EE5-A7E5-7DA4EFDD52C6}"/>
+              </a:ext>
+            </a:extLst>
+          </p:cNvPr>
+          <p:cNvSpPr>
+            <a:spLocks noGrp="1"/>
+          </p:cNvSpPr>
+          <p:nvPr>
+            <p:ph idx="1"/>
+          </p:nvPr>
+        </p:nvSpPr>
+        <p:spPr/>
+        <p:txBody>
+          <a:bodyPr/>
+          <a:lstStyle/>
+          <a:p>
+            <a:r>
+              <a:rPr lang="en-US" dirty="0"/>
+              <a:t>Prevent fab secretly fabricate chip (chips are useless until been activated by the key, that’s where fusing comes into picture)</a:t>
+            </a:r>
+          </a:p>
+          <a:p>
+            <a:endParaRPr lang="en-US" dirty="0"/>
+          </a:p>
+          <a:p>
+            <a:r>
+              <a:rPr lang="en-US" dirty="0"/>
+              <a:t>Even someone reverse engineering and saw the locked netlist, they won’t understand exactly what does the circuit  do! </a:t>
+            </a:r>
+          </a:p>
+          <a:p>
+            <a:endParaRPr lang="en-US" dirty="0"/>
+          </a:p>
+        </p:txBody>
+      </p:sp>
+    </p:spTree>
+    <p:extLst>
+      <p:ext uri="{BB962C8B-B14F-4D97-AF65-F5344CB8AC3E}">
+        <p14:creationId xmlns:p14="http://schemas.microsoft.com/office/powerpoint/2010/main" val="3299183634"/>
+      </p:ext>
+    </p:extLst>
+  </p:cSld>
+  <p:clrMapOvr>
+    <a:masterClrMapping/>
+  </p:clrMapOvr>
+</p:sld>
+</file>
+
+<file path=ppt/slides/slide9.xml><?xml version="1.0" encoding="utf-8"?>
+<p:sld xmlns:a="http://schemas.openxmlformats.org/drawingml/2006/main" xmlns:r="http://schemas.openxmlformats.org/officeDocument/2006/relationships" xmlns:p="http://schemas.openxmlformats.org/presentationml/2006/main">
+  <p:cSld>
+    <p:spTree>
+      <p:nvGrpSpPr>
+        <p:cNvPr id="1" name=""/>
+        <p:cNvGrpSpPr/>
+        <p:nvPr/>
+      </p:nvGrpSpPr>
+      <p:grpSpPr>
+        <a:xfrm>
+          <a:off x="0" y="0"/>
+          <a:ext cx="0" cy="0"/>
+          <a:chOff x="0" y="0"/>
+          <a:chExt cx="0" cy="0"/>
+        </a:xfrm>
+      </p:grpSpPr>
+      <p:sp>
+        <p:nvSpPr>
+          <p:cNvPr id="2" name="Title 1">
+            <a:extLst>
+              <a:ext uri="{FF2B5EF4-FFF2-40B4-BE49-F238E27FC236}">
+                <a16:creationId xmlns:a16="http://schemas.microsoft.com/office/drawing/2014/main" id="{2A968B2B-4926-4DB7-825B-0DDCDDBA4A4A}"/>
+              </a:ext>
+            </a:extLst>
+          </p:cNvPr>
+          <p:cNvSpPr>
+            <a:spLocks noGrp="1"/>
+          </p:cNvSpPr>
+          <p:nvPr>
+            <p:ph type="title"/>
+          </p:nvPr>
+        </p:nvSpPr>
+        <p:spPr/>
+        <p:txBody>
+          <a:bodyPr/>
+          <a:lstStyle/>
+          <a:p>
+            <a:r>
+              <a:rPr lang="en-US" dirty="0"/>
+              <a:t>Why need fuse?</a:t>
+            </a:r>
+          </a:p>
+        </p:txBody>
+      </p:sp>
+      <p:sp>
+        <p:nvSpPr>
+          <p:cNvPr id="3" name="Content Placeholder 2">
+            <a:extLst>
+              <a:ext uri="{FF2B5EF4-FFF2-40B4-BE49-F238E27FC236}">
+                <a16:creationId xmlns:a16="http://schemas.microsoft.com/office/drawing/2014/main" id="{2522B3AF-229A-48C4-853D-4C058642E93B}"/>
+              </a:ext>
+            </a:extLst>
+          </p:cNvPr>
+          <p:cNvSpPr>
+            <a:spLocks noGrp="1"/>
+          </p:cNvSpPr>
+          <p:nvPr>
+            <p:ph idx="1"/>
+          </p:nvPr>
+        </p:nvSpPr>
+        <p:spPr/>
+        <p:txBody>
+          <a:bodyPr/>
+          <a:lstStyle/>
+          <a:p>
+            <a:r>
+              <a:rPr lang="en-US" dirty="0"/>
+              <a:t>Fuse (permanently store) key information for each of the IP</a:t>
+            </a:r>
+          </a:p>
+          <a:p>
+            <a:endParaRPr lang="en-US" dirty="0"/>
+          </a:p>
+          <a:p>
+            <a:r>
+              <a:rPr lang="en-US" dirty="0" err="1"/>
+              <a:t>eFuse</a:t>
+            </a:r>
+            <a:r>
+              <a:rPr lang="en-US" dirty="0"/>
+              <a:t> is a technology which helps to permanently store information in the chip (similar to ROM)</a:t>
+            </a:r>
+          </a:p>
+          <a:p>
+            <a:endParaRPr lang="en-US" dirty="0"/>
+          </a:p>
+          <a:p>
+            <a:r>
+              <a:rPr lang="en-US" dirty="0"/>
+              <a:t>When device boot up, this information will be </a:t>
+            </a:r>
+            <a:r>
+              <a:rPr lang="en-US" dirty="0" err="1"/>
+              <a:t>tranfer</a:t>
+            </a:r>
+            <a:r>
+              <a:rPr lang="en-US" dirty="0"/>
+              <a:t> to RAM and </a:t>
+            </a:r>
+            <a:r>
+              <a:rPr lang="en-US" dirty="0" err="1"/>
+              <a:t>indivial</a:t>
+            </a:r>
+            <a:r>
+              <a:rPr lang="en-US" dirty="0"/>
+              <a:t> IP will go and grab the assigned information (0,1) base on IP address</a:t>
+            </a:r>
+          </a:p>
+        </p:txBody>
+      </p:sp>
+    </p:spTree>
+    <p:extLst>
+      <p:ext uri="{BB962C8B-B14F-4D97-AF65-F5344CB8AC3E}">
+        <p14:creationId xmlns:p14="http://schemas.microsoft.com/office/powerpoint/2010/main" val="3712907799"/>
       </p:ext>
     </p:extLst>
   </p:cSld>
